--- a/Unit 1 Measurement Skills/Day 5 Metric Units/Conversion Examples.pptx
+++ b/Unit 1 Measurement Skills/Day 5 Metric Units/Conversion Examples.pptx
@@ -312,7 +312,7 @@
             <a:fld id="{1D8BD707-D9CF-40AE-B4C6-C98DA3205C09}" type="datetimeFigureOut">
               <a:rPr lang="en-US" smtClean="0"/>
               <a:pPr/>
-              <a:t>2/11/2019</a:t>
+              <a:t>2/11/2020</a:t>
             </a:fld>
             <a:endParaRPr lang="en-US"/>
           </a:p>
@@ -477,7 +477,7 @@
             <a:fld id="{1D8BD707-D9CF-40AE-B4C6-C98DA3205C09}" type="datetimeFigureOut">
               <a:rPr lang="en-US" smtClean="0"/>
               <a:pPr/>
-              <a:t>2/11/2019</a:t>
+              <a:t>2/11/2020</a:t>
             </a:fld>
             <a:endParaRPr lang="en-US"/>
           </a:p>
@@ -652,7 +652,7 @@
             <a:fld id="{1D8BD707-D9CF-40AE-B4C6-C98DA3205C09}" type="datetimeFigureOut">
               <a:rPr lang="en-US" smtClean="0"/>
               <a:pPr/>
-              <a:t>2/11/2019</a:t>
+              <a:t>2/11/2020</a:t>
             </a:fld>
             <a:endParaRPr lang="en-US"/>
           </a:p>
@@ -817,7 +817,7 @@
             <a:fld id="{1D8BD707-D9CF-40AE-B4C6-C98DA3205C09}" type="datetimeFigureOut">
               <a:rPr lang="en-US" smtClean="0"/>
               <a:pPr/>
-              <a:t>2/11/2019</a:t>
+              <a:t>2/11/2020</a:t>
             </a:fld>
             <a:endParaRPr lang="en-US"/>
           </a:p>
@@ -1059,7 +1059,7 @@
             <a:fld id="{1D8BD707-D9CF-40AE-B4C6-C98DA3205C09}" type="datetimeFigureOut">
               <a:rPr lang="en-US" smtClean="0"/>
               <a:pPr/>
-              <a:t>2/11/2019</a:t>
+              <a:t>2/11/2020</a:t>
             </a:fld>
             <a:endParaRPr lang="en-US"/>
           </a:p>
@@ -1341,7 +1341,7 @@
             <a:fld id="{1D8BD707-D9CF-40AE-B4C6-C98DA3205C09}" type="datetimeFigureOut">
               <a:rPr lang="en-US" smtClean="0"/>
               <a:pPr/>
-              <a:t>2/11/2019</a:t>
+              <a:t>2/11/2020</a:t>
             </a:fld>
             <a:endParaRPr lang="en-US"/>
           </a:p>
@@ -1757,7 +1757,7 @@
             <a:fld id="{1D8BD707-D9CF-40AE-B4C6-C98DA3205C09}" type="datetimeFigureOut">
               <a:rPr lang="en-US" smtClean="0"/>
               <a:pPr/>
-              <a:t>2/11/2019</a:t>
+              <a:t>2/11/2020</a:t>
             </a:fld>
             <a:endParaRPr lang="en-US"/>
           </a:p>
@@ -1871,7 +1871,7 @@
             <a:fld id="{1D8BD707-D9CF-40AE-B4C6-C98DA3205C09}" type="datetimeFigureOut">
               <a:rPr lang="en-US" smtClean="0"/>
               <a:pPr/>
-              <a:t>2/11/2019</a:t>
+              <a:t>2/11/2020</a:t>
             </a:fld>
             <a:endParaRPr lang="en-US"/>
           </a:p>
@@ -1963,7 +1963,7 @@
             <a:fld id="{1D8BD707-D9CF-40AE-B4C6-C98DA3205C09}" type="datetimeFigureOut">
               <a:rPr lang="en-US" smtClean="0"/>
               <a:pPr/>
-              <a:t>2/11/2019</a:t>
+              <a:t>2/11/2020</a:t>
             </a:fld>
             <a:endParaRPr lang="en-US"/>
           </a:p>
@@ -2235,7 +2235,7 @@
             <a:fld id="{1D8BD707-D9CF-40AE-B4C6-C98DA3205C09}" type="datetimeFigureOut">
               <a:rPr lang="en-US" smtClean="0"/>
               <a:pPr/>
-              <a:t>2/11/2019</a:t>
+              <a:t>2/11/2020</a:t>
             </a:fld>
             <a:endParaRPr lang="en-US"/>
           </a:p>
@@ -2484,7 +2484,7 @@
             <a:fld id="{1D8BD707-D9CF-40AE-B4C6-C98DA3205C09}" type="datetimeFigureOut">
               <a:rPr lang="en-US" smtClean="0"/>
               <a:pPr/>
-              <a:t>2/11/2019</a:t>
+              <a:t>2/11/2020</a:t>
             </a:fld>
             <a:endParaRPr lang="en-US"/>
           </a:p>
@@ -2692,7 +2692,7 @@
             <a:fld id="{1D8BD707-D9CF-40AE-B4C6-C98DA3205C09}" type="datetimeFigureOut">
               <a:rPr lang="en-US" smtClean="0"/>
               <a:pPr/>
-              <a:t>2/11/2019</a:t>
+              <a:t>2/11/2020</a:t>
             </a:fld>
             <a:endParaRPr lang="en-US"/>
           </a:p>
@@ -3271,11 +3271,7 @@
             </a:r>
             <a:r>
               <a:rPr lang="en-CA" dirty="0" smtClean="0"/>
-              <a:t>? </a:t>
-            </a:r>
-            <a:r>
-              <a:rPr lang="en-CA" dirty="0" smtClean="0"/>
-              <a:t>Mg</a:t>
+              <a:t>? Mg</a:t>
             </a:r>
           </a:p>
           <a:p>
@@ -3534,19 +3530,7 @@
             </a:pPr>
             <a:r>
               <a:rPr lang="en-CA" dirty="0" smtClean="0"/>
-              <a:t>Convert: </a:t>
-            </a:r>
-            <a:r>
-              <a:rPr lang="en-CA" dirty="0" smtClean="0"/>
-              <a:t>25,000 </a:t>
-            </a:r>
-            <a:r>
-              <a:rPr lang="en-CA" dirty="0" smtClean="0"/>
-              <a:t>mm = ? </a:t>
-            </a:r>
-            <a:r>
-              <a:rPr lang="en-CA" dirty="0" smtClean="0"/>
-              <a:t>cm</a:t>
+              <a:t>Convert: 25,000 mm = ? cm</a:t>
             </a:r>
           </a:p>
           <a:p>
@@ -3677,6 +3661,20 @@
               <a:buFont typeface="+mj-lt"/>
               <a:buAutoNum type="arabicPeriod"/>
             </a:pPr>
+            <a:endParaRPr lang="en-CA" dirty="0"/>
+          </a:p>
+          <a:p>
+            <a:pPr marL="514350" indent="-514350">
+              <a:buFont typeface="+mj-lt"/>
+              <a:buAutoNum type="arabicPeriod"/>
+            </a:pPr>
+            <a:endParaRPr lang="en-CA" dirty="0" smtClean="0"/>
+          </a:p>
+          <a:p>
+            <a:pPr marL="514350" indent="-514350">
+              <a:buFont typeface="+mj-lt"/>
+              <a:buAutoNum type="arabicPeriod"/>
+            </a:pPr>
             <a:r>
               <a:rPr lang="en-CA" dirty="0" smtClean="0"/>
               <a:t>Convert: 36,000,000 cm</a:t>
@@ -3779,6 +3777,20 @@
               <a:rPr lang="en-CA" dirty="0" smtClean="0"/>
               <a:t>Convert:  80 km/h  =  ? m/s</a:t>
             </a:r>
+          </a:p>
+          <a:p>
+            <a:pPr marL="514350" indent="-514350">
+              <a:buFont typeface="+mj-lt"/>
+              <a:buAutoNum type="arabicPeriod"/>
+            </a:pPr>
+            <a:endParaRPr lang="en-CA" dirty="0" smtClean="0"/>
+          </a:p>
+          <a:p>
+            <a:pPr marL="514350" indent="-514350">
+              <a:buFont typeface="+mj-lt"/>
+              <a:buAutoNum type="arabicPeriod"/>
+            </a:pPr>
+            <a:endParaRPr lang="en-CA"/>
           </a:p>
           <a:p>
             <a:pPr marL="514350" indent="-514350">
